--- a/SOC - prezentace - kraj.pptx
+++ b/SOC - prezentace - kraj.pptx
@@ -209,7 +209,7 @@
           <a:p>
             <a:fld id="{690E95D2-5477-4BEB-AF65-E79B532831D0}" type="datetimeFigureOut">
               <a:rPr lang="cs-CZ" smtClean="0"/>
-              <a:t>09.05.2024</a:t>
+              <a:t>21.06.2024</a:t>
             </a:fld>
             <a:endParaRPr lang="cs-CZ"/>
           </a:p>
